--- a/Presentation1.pptx
+++ b/Presentation1.pptx
@@ -6,12 +6,12 @@
   </p:sldMasterIdLst>
   <p:sldIdLst>
     <p:sldId id="256" r:id="rId2"/>
-    <p:sldId id="257" r:id="rId3"/>
-    <p:sldId id="258" r:id="rId4"/>
-    <p:sldId id="259" r:id="rId5"/>
-    <p:sldId id="260" r:id="rId6"/>
-    <p:sldId id="261" r:id="rId7"/>
-    <p:sldId id="262" r:id="rId8"/>
+    <p:sldId id="263" r:id="rId3"/>
+    <p:sldId id="257" r:id="rId4"/>
+    <p:sldId id="258" r:id="rId5"/>
+    <p:sldId id="259" r:id="rId6"/>
+    <p:sldId id="260" r:id="rId7"/>
+    <p:sldId id="261" r:id="rId8"/>
   </p:sldIdLst>
   <p:sldSz cx="12192000" cy="6858000"/>
   <p:notesSz cx="6858000" cy="9144000"/>
@@ -5760,8 +5760,8 @@
         </p:blipFill>
         <p:spPr>
           <a:xfrm rot="20517076">
-            <a:off x="599791" y="554507"/>
-            <a:ext cx="2788396" cy="3048773"/>
+            <a:off x="663332" y="474709"/>
+            <a:ext cx="3227292" cy="3528653"/>
           </a:xfrm>
           <a:prstGeom prst="rect">
             <a:avLst/>
@@ -5778,40 +5778,79 @@
             <p:ph type="subTitle" idx="1"/>
           </p:nvPr>
         </p:nvSpPr>
-        <p:spPr/>
-        <p:txBody>
-          <a:bodyPr/>
-          <a:lstStyle/>
-          <a:p>
-            <a:r>
-              <a:rPr lang="en-US" dirty="0" smtClean="0"/>
+        <p:spPr>
+          <a:xfrm>
+            <a:off x="792480" y="4385732"/>
+            <a:ext cx="10367645" cy="1405467"/>
+          </a:xfrm>
+        </p:spPr>
+        <p:txBody>
+          <a:bodyPr>
+            <a:normAutofit/>
+          </a:bodyPr>
+          <a:lstStyle/>
+          <a:p>
+            <a:r>
+              <a:rPr lang="en-US" sz="4000" b="1" dirty="0" smtClean="0">
+                <a:latin typeface="Times" charset="0"/>
+                <a:ea typeface="Times" charset="0"/>
+                <a:cs typeface="Times" charset="0"/>
+              </a:rPr>
               <a:t>By: </a:t>
             </a:r>
             <a:r>
-              <a:rPr lang="en-US" dirty="0" err="1" smtClean="0"/>
+              <a:rPr lang="en-US" sz="4000" b="1" dirty="0" err="1" smtClean="0">
+                <a:latin typeface="Times" charset="0"/>
+                <a:ea typeface="Times" charset="0"/>
+                <a:cs typeface="Times" charset="0"/>
+              </a:rPr>
               <a:t>Kunal</a:t>
             </a:r>
             <a:r>
-              <a:rPr lang="en-US" dirty="0" smtClean="0"/>
+              <a:rPr lang="en-US" sz="4000" b="1" dirty="0" smtClean="0">
+                <a:latin typeface="Times" charset="0"/>
+                <a:ea typeface="Times" charset="0"/>
+                <a:cs typeface="Times" charset="0"/>
+              </a:rPr>
               <a:t>, Akash, </a:t>
             </a:r>
             <a:r>
-              <a:rPr lang="en-US" dirty="0" err="1" smtClean="0"/>
-              <a:t>Cilan</a:t>
-            </a:r>
-            <a:r>
-              <a:rPr lang="en-US" dirty="0" smtClean="0"/>
+              <a:rPr lang="en-US" sz="4000" b="1" dirty="0" err="1" smtClean="0">
+                <a:latin typeface="Times" charset="0"/>
+                <a:ea typeface="Times" charset="0"/>
+                <a:cs typeface="Times" charset="0"/>
+              </a:rPr>
+              <a:t>Clian</a:t>
+            </a:r>
+            <a:r>
+              <a:rPr lang="en-US" sz="4000" b="1" dirty="0" smtClean="0">
+                <a:latin typeface="Times" charset="0"/>
+                <a:ea typeface="Times" charset="0"/>
+                <a:cs typeface="Times" charset="0"/>
+              </a:rPr>
               <a:t>, ANN Oksana AND </a:t>
             </a:r>
             <a:r>
-              <a:rPr lang="en-US" dirty="0" err="1" smtClean="0"/>
+              <a:rPr lang="en-US" sz="4000" b="1" dirty="0" err="1" smtClean="0">
+                <a:latin typeface="Times" charset="0"/>
+                <a:ea typeface="Times" charset="0"/>
+                <a:cs typeface="Times" charset="0"/>
+              </a:rPr>
               <a:t>dIVAN</a:t>
             </a:r>
             <a:r>
-              <a:rPr lang="en-US" dirty="0" smtClean="0"/>
+              <a:rPr lang="en-US" sz="4000" b="1" dirty="0" smtClean="0">
+                <a:latin typeface="Times" charset="0"/>
+                <a:ea typeface="Times" charset="0"/>
+                <a:cs typeface="Times" charset="0"/>
+              </a:rPr>
               <a:t> </a:t>
             </a:r>
-            <a:endParaRPr lang="en-US" dirty="0"/>
+            <a:endParaRPr lang="en-US" sz="4000" b="1" dirty="0">
+              <a:latin typeface="Times" charset="0"/>
+              <a:ea typeface="Times" charset="0"/>
+              <a:cs typeface="Times" charset="0"/>
+            </a:endParaRPr>
           </a:p>
         </p:txBody>
       </p:sp>
@@ -5910,43 +5949,95 @@
             <p:ph type="title"/>
           </p:nvPr>
         </p:nvSpPr>
-        <p:spPr>
-          <a:xfrm>
-            <a:off x="685799" y="214861"/>
-            <a:ext cx="10131427" cy="1468800"/>
-          </a:xfrm>
-        </p:spPr>
+        <p:spPr/>
         <p:txBody>
           <a:bodyPr/>
           <a:lstStyle/>
           <a:p>
-            <a:endParaRPr lang="en-US"/>
-          </a:p>
-        </p:txBody>
-      </p:sp>
-      <p:sp>
-        <p:nvSpPr>
-          <p:cNvPr id="3" name="Text Placeholder 2"/>
-          <p:cNvSpPr>
-            <a:spLocks noGrp="1"/>
-          </p:cNvSpPr>
-          <p:nvPr>
-            <p:ph type="body" idx="1"/>
-          </p:nvPr>
-        </p:nvSpPr>
-        <p:spPr/>
-        <p:txBody>
-          <a:bodyPr/>
-          <a:lstStyle/>
-          <a:p>
-            <a:endParaRPr lang="en-US"/>
+            <a:r>
+              <a:rPr lang="en-US" dirty="0" smtClean="0"/>
+              <a:t>	</a:t>
+            </a:r>
+            <a:r>
+              <a:rPr lang="en-US" dirty="0" smtClean="0">
+                <a:solidFill>
+                  <a:schemeClr val="bg1"/>
+                </a:solidFill>
+              </a:rPr>
+              <a:t>Our goals:</a:t>
+            </a:r>
+            <a:endParaRPr lang="en-US" dirty="0">
+              <a:solidFill>
+                <a:schemeClr val="bg1"/>
+              </a:solidFill>
+            </a:endParaRPr>
+          </a:p>
+        </p:txBody>
+      </p:sp>
+      <p:sp>
+        <p:nvSpPr>
+          <p:cNvPr id="3" name="Content Placeholder 2"/>
+          <p:cNvSpPr>
+            <a:spLocks noGrp="1"/>
+          </p:cNvSpPr>
+          <p:nvPr>
+            <p:ph idx="1"/>
+          </p:nvPr>
+        </p:nvSpPr>
+        <p:spPr>
+          <a:xfrm>
+            <a:off x="682627" y="2233507"/>
+            <a:ext cx="10854053" cy="3755813"/>
+          </a:xfrm>
+        </p:spPr>
+        <p:txBody>
+          <a:bodyPr>
+            <a:noAutofit/>
+          </a:bodyPr>
+          <a:lstStyle/>
+          <a:p>
+            <a:r>
+              <a:rPr lang="en-US" sz="3200" dirty="0" smtClean="0"/>
+              <a:t>To help a non-profit develop a tool to speed up the registration process for a after school educational tutoring center.</a:t>
+            </a:r>
+          </a:p>
+          <a:p>
+            <a:endParaRPr lang="en-US" sz="3200" dirty="0" smtClean="0"/>
+          </a:p>
+          <a:p>
+            <a:r>
+              <a:rPr lang="en-US" sz="3200" dirty="0"/>
+              <a:t>B</a:t>
+            </a:r>
+            <a:r>
+              <a:rPr lang="en-US" sz="3200" dirty="0" smtClean="0"/>
+              <a:t>ridge the gap between kids who are first generation American to fit in the American society and American school system.</a:t>
+            </a:r>
+          </a:p>
+          <a:p>
+            <a:endParaRPr lang="en-US" sz="3200" dirty="0" smtClean="0"/>
+          </a:p>
+          <a:p>
+            <a:r>
+              <a:rPr lang="en-US" sz="3200" dirty="0" smtClean="0"/>
+              <a:t>Help </a:t>
+            </a:r>
+            <a:r>
+              <a:rPr lang="en-US" sz="3200" dirty="0" err="1" smtClean="0"/>
+              <a:t>non-english</a:t>
+            </a:r>
+            <a:r>
+              <a:rPr lang="en-US" sz="3200" dirty="0" smtClean="0"/>
+              <a:t> speaking parents to understand the non-profit’s goal and model</a:t>
+            </a:r>
+            <a:endParaRPr lang="en-US" sz="3200" dirty="0"/>
           </a:p>
         </p:txBody>
       </p:sp>
     </p:spTree>
     <p:extLst>
       <p:ext uri="{BB962C8B-B14F-4D97-AF65-F5344CB8AC3E}">
-        <p14:creationId xmlns:p14="http://schemas.microsoft.com/office/powerpoint/2010/main" val="1034675612"/>
+        <p14:creationId xmlns:p14="http://schemas.microsoft.com/office/powerpoint/2010/main" val="1033065233"/>
       </p:ext>
     </p:extLst>
   </p:cSld>
@@ -5990,12 +6081,39 @@
             <p:ph type="title"/>
           </p:nvPr>
         </p:nvSpPr>
-        <p:spPr/>
-        <p:txBody>
-          <a:bodyPr/>
-          <a:lstStyle/>
-          <a:p>
-            <a:endParaRPr lang="en-US"/>
+        <p:spPr>
+          <a:xfrm>
+            <a:off x="685799" y="214861"/>
+            <a:ext cx="10131427" cy="1468800"/>
+          </a:xfrm>
+        </p:spPr>
+        <p:txBody>
+          <a:bodyPr>
+            <a:normAutofit/>
+          </a:bodyPr>
+          <a:lstStyle/>
+          <a:p>
+            <a:r>
+              <a:rPr lang="en-US" sz="6000" b="1" dirty="0" err="1" smtClean="0">
+                <a:solidFill>
+                  <a:schemeClr val="bg1"/>
+                </a:solidFill>
+              </a:rPr>
+              <a:t>fRONT</a:t>
+            </a:r>
+            <a:r>
+              <a:rPr lang="en-US" sz="6000" b="1" dirty="0" smtClean="0">
+                <a:solidFill>
+                  <a:schemeClr val="bg1"/>
+                </a:solidFill>
+              </a:rPr>
+              <a:t> END:</a:t>
+            </a:r>
+            <a:endParaRPr lang="en-US" sz="6000" b="1" dirty="0">
+              <a:solidFill>
+                <a:schemeClr val="bg1"/>
+              </a:solidFill>
+            </a:endParaRPr>
           </a:p>
         </p:txBody>
       </p:sp>
@@ -6009,7 +6127,12 @@
             <p:ph type="body" idx="1"/>
           </p:nvPr>
         </p:nvSpPr>
-        <p:spPr/>
+        <p:spPr>
+          <a:xfrm>
+            <a:off x="685799" y="2186581"/>
+            <a:ext cx="10131428" cy="860400"/>
+          </a:xfrm>
+        </p:spPr>
         <p:txBody>
           <a:bodyPr/>
           <a:lstStyle/>
@@ -6021,7 +6144,7 @@
     </p:spTree>
     <p:extLst>
       <p:ext uri="{BB962C8B-B14F-4D97-AF65-F5344CB8AC3E}">
-        <p14:creationId xmlns:p14="http://schemas.microsoft.com/office/powerpoint/2010/main" val="1617921125"/>
+        <p14:creationId xmlns:p14="http://schemas.microsoft.com/office/powerpoint/2010/main" val="1034675612"/>
       </p:ext>
     </p:extLst>
   </p:cSld>
@@ -6057,12 +6180,12 @@
       </p:grpSpPr>
       <p:sp>
         <p:nvSpPr>
-          <p:cNvPr id="2" name="Title 1"/>
-          <p:cNvSpPr>
-            <a:spLocks noGrp="1"/>
-          </p:cNvSpPr>
-          <p:nvPr>
-            <p:ph type="title"/>
+          <p:cNvPr id="3" name="Text Placeholder 2"/>
+          <p:cNvSpPr>
+            <a:spLocks noGrp="1"/>
+          </p:cNvSpPr>
+          <p:nvPr>
+            <p:ph type="body" idx="1"/>
           </p:nvPr>
         </p:nvSpPr>
         <p:spPr/>
@@ -6076,33 +6199,144 @@
       </p:sp>
       <p:sp>
         <p:nvSpPr>
-          <p:cNvPr id="3" name="Text Placeholder 2"/>
-          <p:cNvSpPr>
-            <a:spLocks noGrp="1"/>
-          </p:cNvSpPr>
-          <p:nvPr>
-            <p:ph type="body" idx="1"/>
-          </p:nvPr>
-        </p:nvSpPr>
-        <p:spPr/>
-        <p:txBody>
-          <a:bodyPr/>
-          <a:lstStyle/>
-          <a:p>
-            <a:endParaRPr lang="en-US"/>
+          <p:cNvPr id="4" name="Title 1"/>
+          <p:cNvSpPr txBox="1">
+            <a:spLocks/>
+          </p:cNvSpPr>
+          <p:nvPr/>
+        </p:nvSpPr>
+        <p:spPr>
+          <a:xfrm>
+            <a:off x="685799" y="214861"/>
+            <a:ext cx="10131427" cy="1468800"/>
+          </a:xfrm>
+          <a:prstGeom prst="rect">
+            <a:avLst/>
+          </a:prstGeom>
+          <a:effectLst/>
+        </p:spPr>
+        <p:txBody>
+          <a:bodyPr vert="horz" lIns="91440" tIns="45720" rIns="91440" bIns="45720" rtlCol="0" anchor="b">
+            <a:normAutofit/>
+          </a:bodyPr>
+          <a:lstStyle>
+            <a:lvl1pPr algn="l" defTabSz="457200" rtl="0" eaLnBrk="1" latinLnBrk="0" hangingPunct="1">
+              <a:spcBef>
+                <a:spcPct val="0"/>
+              </a:spcBef>
+              <a:buNone/>
+              <a:defRPr sz="4000" b="0" kern="1200" cap="all">
+                <a:ln w="3175" cmpd="sng">
+                  <a:noFill/>
+                </a:ln>
+                <a:solidFill>
+                  <a:schemeClr val="tx1"/>
+                </a:solidFill>
+                <a:effectLst/>
+                <a:latin typeface="+mj-lt"/>
+                <a:ea typeface="+mj-ea"/>
+                <a:cs typeface="+mj-cs"/>
+              </a:defRPr>
+            </a:lvl1pPr>
+            <a:lvl2pPr eaLnBrk="1" hangingPunct="1">
+              <a:defRPr>
+                <a:solidFill>
+                  <a:schemeClr val="tx2"/>
+                </a:solidFill>
+              </a:defRPr>
+            </a:lvl2pPr>
+            <a:lvl3pPr eaLnBrk="1" hangingPunct="1">
+              <a:defRPr>
+                <a:solidFill>
+                  <a:schemeClr val="tx2"/>
+                </a:solidFill>
+              </a:defRPr>
+            </a:lvl3pPr>
+            <a:lvl4pPr eaLnBrk="1" hangingPunct="1">
+              <a:defRPr>
+                <a:solidFill>
+                  <a:schemeClr val="tx2"/>
+                </a:solidFill>
+              </a:defRPr>
+            </a:lvl4pPr>
+            <a:lvl5pPr eaLnBrk="1" hangingPunct="1">
+              <a:defRPr>
+                <a:solidFill>
+                  <a:schemeClr val="tx2"/>
+                </a:solidFill>
+              </a:defRPr>
+            </a:lvl5pPr>
+            <a:lvl6pPr eaLnBrk="1" hangingPunct="1">
+              <a:defRPr>
+                <a:solidFill>
+                  <a:schemeClr val="tx2"/>
+                </a:solidFill>
+              </a:defRPr>
+            </a:lvl6pPr>
+            <a:lvl7pPr eaLnBrk="1" hangingPunct="1">
+              <a:defRPr>
+                <a:solidFill>
+                  <a:schemeClr val="tx2"/>
+                </a:solidFill>
+              </a:defRPr>
+            </a:lvl7pPr>
+            <a:lvl8pPr eaLnBrk="1" hangingPunct="1">
+              <a:defRPr>
+                <a:solidFill>
+                  <a:schemeClr val="tx2"/>
+                </a:solidFill>
+              </a:defRPr>
+            </a:lvl8pPr>
+            <a:lvl9pPr eaLnBrk="1" hangingPunct="1">
+              <a:defRPr>
+                <a:solidFill>
+                  <a:schemeClr val="tx2"/>
+                </a:solidFill>
+              </a:defRPr>
+            </a:lvl9pPr>
+          </a:lstStyle>
+          <a:p>
+            <a:r>
+              <a:rPr lang="en-US" sz="6000" b="1" dirty="0" err="1" smtClean="0">
+                <a:solidFill>
+                  <a:schemeClr val="bg1"/>
+                </a:solidFill>
+              </a:rPr>
+              <a:t>bACK</a:t>
+            </a:r>
+            <a:r>
+              <a:rPr lang="en-US" sz="6000" b="1" dirty="0" smtClean="0">
+                <a:solidFill>
+                  <a:schemeClr val="bg1"/>
+                </a:solidFill>
+              </a:rPr>
+              <a:t> END:</a:t>
+            </a:r>
+            <a:endParaRPr lang="en-US" sz="6000" b="1" dirty="0">
+              <a:solidFill>
+                <a:schemeClr val="bg1"/>
+              </a:solidFill>
+            </a:endParaRPr>
           </a:p>
         </p:txBody>
       </p:sp>
     </p:spTree>
     <p:extLst>
       <p:ext uri="{BB962C8B-B14F-4D97-AF65-F5344CB8AC3E}">
-        <p14:creationId xmlns:p14="http://schemas.microsoft.com/office/powerpoint/2010/main" val="962409561"/>
+        <p14:creationId xmlns:p14="http://schemas.microsoft.com/office/powerpoint/2010/main" val="1617921125"/>
       </p:ext>
     </p:extLst>
   </p:cSld>
   <p:clrMapOvr>
     <a:masterClrMapping/>
   </p:clrMapOvr>
+  <p:timing>
+    <p:tnLst>
+      <p:par>
+        <p:cTn id="1" dur="indefinite" restart="never" nodeType="tmRoot"/>
+      </p:par>
+    </p:tnLst>
+  </p:timing>
 </p:sld>
 </file>
 
@@ -6133,12 +6367,29 @@
             <p:ph type="title"/>
           </p:nvPr>
         </p:nvSpPr>
-        <p:spPr/>
+        <p:spPr>
+          <a:xfrm>
+            <a:off x="685800" y="458701"/>
+            <a:ext cx="10131427" cy="1468800"/>
+          </a:xfrm>
+        </p:spPr>
         <p:txBody>
           <a:bodyPr/>
           <a:lstStyle/>
           <a:p>
-            <a:endParaRPr lang="en-US"/>
+            <a:r>
+              <a:rPr lang="en-US" dirty="0" smtClean="0">
+                <a:solidFill>
+                  <a:schemeClr val="bg1"/>
+                </a:solidFill>
+              </a:rPr>
+              <a:t>Application</a:t>
+            </a:r>
+            <a:endParaRPr lang="en-US" dirty="0">
+              <a:solidFill>
+                <a:schemeClr val="bg1"/>
+              </a:solidFill>
+            </a:endParaRPr>
           </a:p>
         </p:txBody>
       </p:sp>
@@ -6164,7 +6415,7 @@
     </p:spTree>
     <p:extLst>
       <p:ext uri="{BB962C8B-B14F-4D97-AF65-F5344CB8AC3E}">
-        <p14:creationId xmlns:p14="http://schemas.microsoft.com/office/powerpoint/2010/main" val="370662523"/>
+        <p14:creationId xmlns:p14="http://schemas.microsoft.com/office/powerpoint/2010/main" val="962409561"/>
       </p:ext>
     </p:extLst>
   </p:cSld>
@@ -6239,13 +6490,20 @@
     </p:spTree>
     <p:extLst>
       <p:ext uri="{BB962C8B-B14F-4D97-AF65-F5344CB8AC3E}">
-        <p14:creationId xmlns:p14="http://schemas.microsoft.com/office/powerpoint/2010/main" val="2022447761"/>
+        <p14:creationId xmlns:p14="http://schemas.microsoft.com/office/powerpoint/2010/main" val="370662523"/>
       </p:ext>
     </p:extLst>
   </p:cSld>
   <p:clrMapOvr>
     <a:masterClrMapping/>
   </p:clrMapOvr>
+  <p:timing>
+    <p:tnLst>
+      <p:par>
+        <p:cTn id="1" dur="indefinite" restart="never" nodeType="tmRoot"/>
+      </p:par>
+    </p:tnLst>
+  </p:timing>
 </p:sld>
 </file>
 
@@ -6307,7 +6565,7 @@
     </p:spTree>
     <p:extLst>
       <p:ext uri="{BB962C8B-B14F-4D97-AF65-F5344CB8AC3E}">
-        <p14:creationId xmlns:p14="http://schemas.microsoft.com/office/powerpoint/2010/main" val="908354411"/>
+        <p14:creationId xmlns:p14="http://schemas.microsoft.com/office/powerpoint/2010/main" val="2022447761"/>
       </p:ext>
     </p:extLst>
   </p:cSld>

--- a/Presentation1.pptx
+++ b/Presentation1.pptx
@@ -7,11 +7,9 @@
   <p:sldIdLst>
     <p:sldId id="256" r:id="rId2"/>
     <p:sldId id="263" r:id="rId3"/>
-    <p:sldId id="257" r:id="rId4"/>
-    <p:sldId id="258" r:id="rId5"/>
-    <p:sldId id="259" r:id="rId6"/>
-    <p:sldId id="260" r:id="rId7"/>
-    <p:sldId id="261" r:id="rId8"/>
+    <p:sldId id="266" r:id="rId4"/>
+    <p:sldId id="267" r:id="rId5"/>
+    <p:sldId id="265" r:id="rId6"/>
   </p:sldIdLst>
   <p:sldSz cx="12192000" cy="6858000"/>
   <p:notesSz cx="6858000" cy="9144000"/>
@@ -110,6 +108,11 @@
       </a:defRPr>
     </a:lvl9pPr>
   </p:defaultTextStyle>
+  <p:extLst>
+    <p:ext uri="{EFAFB233-063F-42B5-8137-9DF3F51BA10A}">
+      <p15:sldGuideLst xmlns:p15="http://schemas.microsoft.com/office/powerpoint/2012/main"/>
+    </p:ext>
+  </p:extLst>
 </p:presentation>
 </file>
 
@@ -194,7 +197,7 @@
           </a:lstStyle>
           <a:p>
             <a:r>
-              <a:rPr lang="en-US" smtClean="0"/>
+              <a:rPr lang="en-US"/>
               <a:t>Click to edit Master title style</a:t>
             </a:r>
             <a:endParaRPr lang="en-US" dirty="0"/>
@@ -313,7 +316,7 @@
           </a:lstStyle>
           <a:p>
             <a:r>
-              <a:rPr lang="en-US" smtClean="0"/>
+              <a:rPr lang="en-US"/>
               <a:t>Click to edit Master subtitle style</a:t>
             </a:r>
             <a:endParaRPr lang="en-US" dirty="0"/>
@@ -482,7 +485,7 @@
           </a:lstStyle>
           <a:p>
             <a:r>
-              <a:rPr lang="en-US" smtClean="0"/>
+              <a:rPr lang="en-US"/>
               <a:t>Click to edit Master title style</a:t>
             </a:r>
             <a:endParaRPr lang="en-US" dirty="0"/>
@@ -580,7 +583,7 @@
           </a:lstStyle>
           <a:p>
             <a:r>
-              <a:rPr lang="en-US" smtClean="0"/>
+              <a:rPr lang="en-US"/>
               <a:t>Drag picture to placeholder or click icon to add</a:t>
             </a:r>
             <a:endParaRPr lang="en-US" dirty="0"/>
@@ -648,7 +651,7 @@
           <a:p>
             <a:pPr lvl="0"/>
             <a:r>
-              <a:rPr lang="en-US" smtClean="0"/>
+              <a:rPr lang="en-US"/>
               <a:t>Click to edit Master text styles</a:t>
             </a:r>
           </a:p>
@@ -801,7 +804,7 @@
           </a:lstStyle>
           <a:p>
             <a:r>
-              <a:rPr lang="en-US" smtClean="0"/>
+              <a:rPr lang="en-US"/>
               <a:t>Click to edit Master title style</a:t>
             </a:r>
             <a:endParaRPr lang="en-US" dirty="0"/>
@@ -921,7 +924,7 @@
           <a:p>
             <a:pPr lvl="0"/>
             <a:r>
-              <a:rPr lang="en-US" smtClean="0"/>
+              <a:rPr lang="en-US"/>
               <a:t>Click to edit Master text styles</a:t>
             </a:r>
           </a:p>
@@ -1310,7 +1313,7 @@
           </a:lstStyle>
           <a:p>
             <a:r>
-              <a:rPr lang="en-US" smtClean="0"/>
+              <a:rPr lang="en-US"/>
               <a:t>Click to edit Master title style</a:t>
             </a:r>
             <a:endParaRPr lang="en-US" dirty="0"/>
@@ -1365,7 +1368,7 @@
           <a:p>
             <a:pPr lvl="0"/>
             <a:r>
-              <a:rPr lang="en-US" smtClean="0"/>
+              <a:rPr lang="en-US"/>
               <a:t>Click to edit Master text styles</a:t>
             </a:r>
           </a:p>
@@ -1484,7 +1487,7 @@
           <a:p>
             <a:pPr lvl="0"/>
             <a:r>
-              <a:rPr lang="en-US" smtClean="0"/>
+              <a:rPr lang="en-US"/>
               <a:t>Click to edit Master text styles</a:t>
             </a:r>
           </a:p>
@@ -1637,7 +1640,7 @@
           </a:lstStyle>
           <a:p>
             <a:r>
-              <a:rPr lang="en-US" smtClean="0"/>
+              <a:rPr lang="en-US"/>
               <a:t>Click to edit Master title style</a:t>
             </a:r>
             <a:endParaRPr lang="en-US" dirty="0"/>
@@ -1757,7 +1760,7 @@
           <a:p>
             <a:pPr lvl="0"/>
             <a:r>
-              <a:rPr lang="en-US" smtClean="0"/>
+              <a:rPr lang="en-US"/>
               <a:t>Click to edit Master text styles</a:t>
             </a:r>
           </a:p>
@@ -2146,7 +2149,7 @@
           </a:lstStyle>
           <a:p>
             <a:r>
-              <a:rPr lang="en-US" smtClean="0"/>
+              <a:rPr lang="en-US"/>
               <a:t>Click to edit Master title style</a:t>
             </a:r>
             <a:endParaRPr lang="en-US" dirty="0"/>
@@ -2195,7 +2198,7 @@
               <a:buNone/>
             </a:pPr>
             <a:r>
-              <a:rPr lang="en-US" smtClean="0"/>
+              <a:rPr lang="en-US"/>
               <a:t>Click to edit Master text styles</a:t>
             </a:r>
           </a:p>
@@ -2314,7 +2317,7 @@
           <a:p>
             <a:pPr lvl="0"/>
             <a:r>
-              <a:rPr lang="en-US" smtClean="0"/>
+              <a:rPr lang="en-US"/>
               <a:t>Click to edit Master text styles</a:t>
             </a:r>
           </a:p>
@@ -2468,7 +2471,7 @@
           <a:p>
             <a:pPr marL="0" lvl="0"/>
             <a:r>
-              <a:rPr lang="en-US" smtClean="0"/>
+              <a:rPr lang="en-US"/>
               <a:t>Click to edit Master title style</a:t>
             </a:r>
             <a:endParaRPr lang="en-US" dirty="0"/>
@@ -2517,7 +2520,7 @@
               <a:buNone/>
             </a:pPr>
             <a:r>
-              <a:rPr lang="en-US" smtClean="0"/>
+              <a:rPr lang="en-US"/>
               <a:t>Click to edit Master text styles</a:t>
             </a:r>
           </a:p>
@@ -2636,7 +2639,7 @@
           <a:p>
             <a:pPr lvl="0"/>
             <a:r>
-              <a:rPr lang="en-US" smtClean="0"/>
+              <a:rPr lang="en-US"/>
               <a:t>Click to edit Master text styles</a:t>
             </a:r>
           </a:p>
@@ -2783,7 +2786,7 @@
           <a:lstStyle/>
           <a:p>
             <a:r>
-              <a:rPr lang="en-US" smtClean="0"/>
+              <a:rPr lang="en-US"/>
               <a:t>Click to edit Master title style</a:t>
             </a:r>
             <a:endParaRPr lang="en-US" dirty="0"/>
@@ -2807,35 +2810,35 @@
           <a:p>
             <a:pPr lvl="0"/>
             <a:r>
-              <a:rPr lang="en-US" smtClean="0"/>
+              <a:rPr lang="en-US"/>
               <a:t>Click to edit Master text styles</a:t>
             </a:r>
           </a:p>
           <a:p>
             <a:pPr lvl="1"/>
             <a:r>
-              <a:rPr lang="en-US" smtClean="0"/>
+              <a:rPr lang="en-US"/>
               <a:t>Second level</a:t>
             </a:r>
           </a:p>
           <a:p>
             <a:pPr lvl="2"/>
             <a:r>
-              <a:rPr lang="en-US" smtClean="0"/>
+              <a:rPr lang="en-US"/>
               <a:t>Third level</a:t>
             </a:r>
           </a:p>
           <a:p>
             <a:pPr lvl="3"/>
             <a:r>
-              <a:rPr lang="en-US" smtClean="0"/>
+              <a:rPr lang="en-US"/>
               <a:t>Fourth level</a:t>
             </a:r>
           </a:p>
           <a:p>
             <a:pPr lvl="4"/>
             <a:r>
-              <a:rPr lang="en-US" smtClean="0"/>
+              <a:rPr lang="en-US"/>
               <a:t>Fifth level</a:t>
             </a:r>
             <a:endParaRPr lang="en-US" dirty="0"/>
@@ -2983,7 +2986,7 @@
           <a:lstStyle/>
           <a:p>
             <a:r>
-              <a:rPr lang="en-US" smtClean="0"/>
+              <a:rPr lang="en-US"/>
               <a:t>Click to edit Master title style</a:t>
             </a:r>
             <a:endParaRPr lang="en-US" dirty="0"/>
@@ -3012,35 +3015,35 @@
           <a:p>
             <a:pPr lvl="0"/>
             <a:r>
-              <a:rPr lang="en-US" smtClean="0"/>
+              <a:rPr lang="en-US"/>
               <a:t>Click to edit Master text styles</a:t>
             </a:r>
           </a:p>
           <a:p>
             <a:pPr lvl="1"/>
             <a:r>
-              <a:rPr lang="en-US" smtClean="0"/>
+              <a:rPr lang="en-US"/>
               <a:t>Second level</a:t>
             </a:r>
           </a:p>
           <a:p>
             <a:pPr lvl="2"/>
             <a:r>
-              <a:rPr lang="en-US" smtClean="0"/>
+              <a:rPr lang="en-US"/>
               <a:t>Third level</a:t>
             </a:r>
           </a:p>
           <a:p>
             <a:pPr lvl="3"/>
             <a:r>
-              <a:rPr lang="en-US" smtClean="0"/>
+              <a:rPr lang="en-US"/>
               <a:t>Fourth level</a:t>
             </a:r>
           </a:p>
           <a:p>
             <a:pPr lvl="4"/>
             <a:r>
-              <a:rPr lang="en-US" smtClean="0"/>
+              <a:rPr lang="en-US"/>
               <a:t>Fifth level</a:t>
             </a:r>
             <a:endParaRPr lang="en-US" dirty="0"/>
@@ -3183,7 +3186,7 @@
           <a:lstStyle/>
           <a:p>
             <a:r>
-              <a:rPr lang="en-US" smtClean="0"/>
+              <a:rPr lang="en-US"/>
               <a:t>Click to edit Master title style</a:t>
             </a:r>
             <a:endParaRPr lang="en-US" dirty="0"/>
@@ -3207,35 +3210,35 @@
           <a:p>
             <a:pPr lvl="0"/>
             <a:r>
-              <a:rPr lang="en-US" smtClean="0"/>
+              <a:rPr lang="en-US"/>
               <a:t>Click to edit Master text styles</a:t>
             </a:r>
           </a:p>
           <a:p>
             <a:pPr lvl="1"/>
             <a:r>
-              <a:rPr lang="en-US" smtClean="0"/>
+              <a:rPr lang="en-US"/>
               <a:t>Second level</a:t>
             </a:r>
           </a:p>
           <a:p>
             <a:pPr lvl="2"/>
             <a:r>
-              <a:rPr lang="en-US" smtClean="0"/>
+              <a:rPr lang="en-US"/>
               <a:t>Third level</a:t>
             </a:r>
           </a:p>
           <a:p>
             <a:pPr lvl="3"/>
             <a:r>
-              <a:rPr lang="en-US" smtClean="0"/>
+              <a:rPr lang="en-US"/>
               <a:t>Fourth level</a:t>
             </a:r>
           </a:p>
           <a:p>
             <a:pPr lvl="4"/>
             <a:r>
-              <a:rPr lang="en-US" smtClean="0"/>
+              <a:rPr lang="en-US"/>
               <a:t>Fifth level</a:t>
             </a:r>
             <a:endParaRPr lang="en-US" dirty="0"/>
@@ -3387,7 +3390,7 @@
           </a:lstStyle>
           <a:p>
             <a:r>
-              <a:rPr lang="en-US" smtClean="0"/>
+              <a:rPr lang="en-US"/>
               <a:t>Click to edit Master title style</a:t>
             </a:r>
             <a:endParaRPr lang="en-US" dirty="0"/>
@@ -3507,7 +3510,7 @@
           <a:p>
             <a:pPr lvl="0"/>
             <a:r>
-              <a:rPr lang="en-US" smtClean="0"/>
+              <a:rPr lang="en-US"/>
               <a:t>Click to edit Master text styles</a:t>
             </a:r>
           </a:p>
@@ -3649,7 +3652,7 @@
           <a:lstStyle/>
           <a:p>
             <a:r>
-              <a:rPr lang="en-US" smtClean="0"/>
+              <a:rPr lang="en-US"/>
               <a:t>Click to edit Master title style</a:t>
             </a:r>
             <a:endParaRPr lang="en-US" dirty="0"/>
@@ -3680,35 +3683,35 @@
           <a:p>
             <a:pPr lvl="0"/>
             <a:r>
-              <a:rPr lang="en-US" smtClean="0"/>
+              <a:rPr lang="en-US"/>
               <a:t>Click to edit Master text styles</a:t>
             </a:r>
           </a:p>
           <a:p>
             <a:pPr lvl="1"/>
             <a:r>
-              <a:rPr lang="en-US" smtClean="0"/>
+              <a:rPr lang="en-US"/>
               <a:t>Second level</a:t>
             </a:r>
           </a:p>
           <a:p>
             <a:pPr lvl="2"/>
             <a:r>
-              <a:rPr lang="en-US" smtClean="0"/>
+              <a:rPr lang="en-US"/>
               <a:t>Third level</a:t>
             </a:r>
           </a:p>
           <a:p>
             <a:pPr lvl="3"/>
             <a:r>
-              <a:rPr lang="en-US" smtClean="0"/>
+              <a:rPr lang="en-US"/>
               <a:t>Fourth level</a:t>
             </a:r>
           </a:p>
           <a:p>
             <a:pPr lvl="4"/>
             <a:r>
-              <a:rPr lang="en-US" smtClean="0"/>
+              <a:rPr lang="en-US"/>
               <a:t>Fifth level</a:t>
             </a:r>
             <a:endParaRPr lang="en-US" dirty="0"/>
@@ -3739,35 +3742,35 @@
           <a:p>
             <a:pPr lvl="0"/>
             <a:r>
-              <a:rPr lang="en-US" smtClean="0"/>
+              <a:rPr lang="en-US"/>
               <a:t>Click to edit Master text styles</a:t>
             </a:r>
           </a:p>
           <a:p>
             <a:pPr lvl="1"/>
             <a:r>
-              <a:rPr lang="en-US" smtClean="0"/>
+              <a:rPr lang="en-US"/>
               <a:t>Second level</a:t>
             </a:r>
           </a:p>
           <a:p>
             <a:pPr lvl="2"/>
             <a:r>
-              <a:rPr lang="en-US" smtClean="0"/>
+              <a:rPr lang="en-US"/>
               <a:t>Third level</a:t>
             </a:r>
           </a:p>
           <a:p>
             <a:pPr lvl="3"/>
             <a:r>
-              <a:rPr lang="en-US" smtClean="0"/>
+              <a:rPr lang="en-US"/>
               <a:t>Fourth level</a:t>
             </a:r>
           </a:p>
           <a:p>
             <a:pPr lvl="4"/>
             <a:r>
-              <a:rPr lang="en-US" smtClean="0"/>
+              <a:rPr lang="en-US"/>
               <a:t>Fifth level</a:t>
             </a:r>
             <a:endParaRPr lang="en-US" dirty="0"/>
@@ -3884,7 +3887,7 @@
           </a:lstStyle>
           <a:p>
             <a:r>
-              <a:rPr lang="en-US" smtClean="0"/>
+              <a:rPr lang="en-US"/>
               <a:t>Click to edit Master title style</a:t>
             </a:r>
             <a:endParaRPr lang="en-US" dirty="0"/>
@@ -3952,7 +3955,7 @@
           <a:p>
             <a:pPr lvl="0"/>
             <a:r>
-              <a:rPr lang="en-US" smtClean="0"/>
+              <a:rPr lang="en-US"/>
               <a:t>Click to edit Master text styles</a:t>
             </a:r>
           </a:p>
@@ -3982,35 +3985,35 @@
           <a:p>
             <a:pPr lvl="0"/>
             <a:r>
-              <a:rPr lang="en-US" smtClean="0"/>
+              <a:rPr lang="en-US"/>
               <a:t>Click to edit Master text styles</a:t>
             </a:r>
           </a:p>
           <a:p>
             <a:pPr lvl="1"/>
             <a:r>
-              <a:rPr lang="en-US" smtClean="0"/>
+              <a:rPr lang="en-US"/>
               <a:t>Second level</a:t>
             </a:r>
           </a:p>
           <a:p>
             <a:pPr lvl="2"/>
             <a:r>
-              <a:rPr lang="en-US" smtClean="0"/>
+              <a:rPr lang="en-US"/>
               <a:t>Third level</a:t>
             </a:r>
           </a:p>
           <a:p>
             <a:pPr lvl="3"/>
             <a:r>
-              <a:rPr lang="en-US" smtClean="0"/>
+              <a:rPr lang="en-US"/>
               <a:t>Fourth level</a:t>
             </a:r>
           </a:p>
           <a:p>
             <a:pPr lvl="4"/>
             <a:r>
-              <a:rPr lang="en-US" smtClean="0"/>
+              <a:rPr lang="en-US"/>
               <a:t>Fifth level</a:t>
             </a:r>
             <a:endParaRPr lang="en-US" dirty="0"/>
@@ -4078,7 +4081,7 @@
           <a:p>
             <a:pPr lvl="0"/>
             <a:r>
-              <a:rPr lang="en-US" smtClean="0"/>
+              <a:rPr lang="en-US"/>
               <a:t>Click to edit Master text styles</a:t>
             </a:r>
           </a:p>
@@ -4108,35 +4111,35 @@
           <a:p>
             <a:pPr lvl="0"/>
             <a:r>
-              <a:rPr lang="en-US" smtClean="0"/>
+              <a:rPr lang="en-US"/>
               <a:t>Click to edit Master text styles</a:t>
             </a:r>
           </a:p>
           <a:p>
             <a:pPr lvl="1"/>
             <a:r>
-              <a:rPr lang="en-US" smtClean="0"/>
+              <a:rPr lang="en-US"/>
               <a:t>Second level</a:t>
             </a:r>
           </a:p>
           <a:p>
             <a:pPr lvl="2"/>
             <a:r>
-              <a:rPr lang="en-US" smtClean="0"/>
+              <a:rPr lang="en-US"/>
               <a:t>Third level</a:t>
             </a:r>
           </a:p>
           <a:p>
             <a:pPr lvl="3"/>
             <a:r>
-              <a:rPr lang="en-US" smtClean="0"/>
+              <a:rPr lang="en-US"/>
               <a:t>Fourth level</a:t>
             </a:r>
           </a:p>
           <a:p>
             <a:pPr lvl="4"/>
             <a:r>
-              <a:rPr lang="en-US" smtClean="0"/>
+              <a:rPr lang="en-US"/>
               <a:t>Fifth level</a:t>
             </a:r>
             <a:endParaRPr lang="en-US" dirty="0"/>
@@ -4279,7 +4282,7 @@
           <a:lstStyle/>
           <a:p>
             <a:r>
-              <a:rPr lang="en-US" smtClean="0"/>
+              <a:rPr lang="en-US"/>
               <a:t>Click to edit Master title style</a:t>
             </a:r>
             <a:endParaRPr lang="en-US" dirty="0"/>
@@ -4553,7 +4556,7 @@
           </a:lstStyle>
           <a:p>
             <a:r>
-              <a:rPr lang="en-US" smtClean="0"/>
+              <a:rPr lang="en-US"/>
               <a:t>Click to edit Master title style</a:t>
             </a:r>
             <a:endParaRPr lang="en-US" dirty="0"/>
@@ -4584,35 +4587,35 @@
           <a:p>
             <a:pPr lvl="0"/>
             <a:r>
-              <a:rPr lang="en-US" smtClean="0"/>
+              <a:rPr lang="en-US"/>
               <a:t>Click to edit Master text styles</a:t>
             </a:r>
           </a:p>
           <a:p>
             <a:pPr lvl="1"/>
             <a:r>
-              <a:rPr lang="en-US" smtClean="0"/>
+              <a:rPr lang="en-US"/>
               <a:t>Second level</a:t>
             </a:r>
           </a:p>
           <a:p>
             <a:pPr lvl="2"/>
             <a:r>
-              <a:rPr lang="en-US" smtClean="0"/>
+              <a:rPr lang="en-US"/>
               <a:t>Third level</a:t>
             </a:r>
           </a:p>
           <a:p>
             <a:pPr lvl="3"/>
             <a:r>
-              <a:rPr lang="en-US" smtClean="0"/>
+              <a:rPr lang="en-US"/>
               <a:t>Fourth level</a:t>
             </a:r>
           </a:p>
           <a:p>
             <a:pPr lvl="4"/>
             <a:r>
-              <a:rPr lang="en-US" smtClean="0"/>
+              <a:rPr lang="en-US"/>
               <a:t>Fifth level</a:t>
             </a:r>
             <a:endParaRPr lang="en-US" dirty="0"/>
@@ -4680,7 +4683,7 @@
           <a:p>
             <a:pPr lvl="0"/>
             <a:r>
-              <a:rPr lang="en-US" smtClean="0"/>
+              <a:rPr lang="en-US"/>
               <a:t>Click to edit Master text styles</a:t>
             </a:r>
           </a:p>
@@ -4833,7 +4836,7 @@
           </a:lstStyle>
           <a:p>
             <a:r>
-              <a:rPr lang="en-US" smtClean="0"/>
+              <a:rPr lang="en-US"/>
               <a:t>Click to edit Master title style</a:t>
             </a:r>
             <a:endParaRPr lang="en-US" dirty="0"/>
@@ -4931,7 +4934,7 @@
           </a:lstStyle>
           <a:p>
             <a:r>
-              <a:rPr lang="en-US" smtClean="0"/>
+              <a:rPr lang="en-US"/>
               <a:t>Drag picture to placeholder or click icon to add</a:t>
             </a:r>
             <a:endParaRPr lang="en-US" dirty="0"/>
@@ -4999,7 +5002,7 @@
           <a:p>
             <a:pPr lvl="0"/>
             <a:r>
-              <a:rPr lang="en-US" smtClean="0"/>
+              <a:rPr lang="en-US"/>
               <a:t>Click to edit Master text styles</a:t>
             </a:r>
           </a:p>
@@ -5127,7 +5130,7 @@
           <a:lstStyle/>
           <a:p>
             <a:r>
-              <a:rPr lang="en-US" smtClean="0"/>
+              <a:rPr lang="en-US"/>
               <a:t>Click to edit Master title style</a:t>
             </a:r>
             <a:endParaRPr lang="en-US" dirty="0"/>
@@ -5161,35 +5164,35 @@
           <a:p>
             <a:pPr lvl="0"/>
             <a:r>
-              <a:rPr lang="en-US" smtClean="0"/>
+              <a:rPr lang="en-US"/>
               <a:t>Click to edit Master text styles</a:t>
             </a:r>
           </a:p>
           <a:p>
             <a:pPr lvl="1"/>
             <a:r>
-              <a:rPr lang="en-US" smtClean="0"/>
+              <a:rPr lang="en-US"/>
               <a:t>Second level</a:t>
             </a:r>
           </a:p>
           <a:p>
             <a:pPr lvl="2"/>
             <a:r>
-              <a:rPr lang="en-US" smtClean="0"/>
+              <a:rPr lang="en-US"/>
               <a:t>Third level</a:t>
             </a:r>
           </a:p>
           <a:p>
             <a:pPr lvl="3"/>
             <a:r>
-              <a:rPr lang="en-US" smtClean="0"/>
+              <a:rPr lang="en-US"/>
               <a:t>Fourth level</a:t>
             </a:r>
           </a:p>
           <a:p>
             <a:pPr lvl="4"/>
             <a:r>
-              <a:rPr lang="en-US" smtClean="0"/>
+              <a:rPr lang="en-US"/>
               <a:t>Fifth level</a:t>
             </a:r>
             <a:endParaRPr lang="en-US" dirty="0"/>
@@ -5791,31 +5794,15 @@
           <a:lstStyle/>
           <a:p>
             <a:r>
-              <a:rPr lang="en-US" sz="4000" b="1" dirty="0" smtClean="0">
+              <a:rPr lang="en-US" sz="4000" b="1" dirty="0">
                 <a:latin typeface="Times" charset="0"/>
                 <a:ea typeface="Times" charset="0"/>
                 <a:cs typeface="Times" charset="0"/>
               </a:rPr>
-              <a:t>By: </a:t>
-            </a:r>
-            <a:r>
-              <a:rPr lang="en-US" sz="4000" b="1" dirty="0" err="1" smtClean="0">
-                <a:latin typeface="Times" charset="0"/>
-                <a:ea typeface="Times" charset="0"/>
-                <a:cs typeface="Times" charset="0"/>
-              </a:rPr>
-              <a:t>Kunal</a:t>
-            </a:r>
-            <a:r>
-              <a:rPr lang="en-US" sz="4000" b="1" dirty="0" smtClean="0">
-                <a:latin typeface="Times" charset="0"/>
-                <a:ea typeface="Times" charset="0"/>
-                <a:cs typeface="Times" charset="0"/>
-              </a:rPr>
-              <a:t>, Akash, </a:t>
-            </a:r>
-            <a:r>
-              <a:rPr lang="en-US" sz="4000" b="1" dirty="0" err="1" smtClean="0">
+              <a:t>By: Kunal, Akash, </a:t>
+            </a:r>
+            <a:r>
+              <a:rPr lang="en-US" sz="4000" b="1" dirty="0" err="1">
                 <a:latin typeface="Times" charset="0"/>
                 <a:ea typeface="Times" charset="0"/>
                 <a:cs typeface="Times" charset="0"/>
@@ -5823,34 +5810,13 @@
               <a:t>Clian</a:t>
             </a:r>
             <a:r>
-              <a:rPr lang="en-US" sz="4000" b="1" dirty="0" smtClean="0">
+              <a:rPr lang="en-US" sz="4000" b="1" dirty="0">
                 <a:latin typeface="Times" charset="0"/>
                 <a:ea typeface="Times" charset="0"/>
                 <a:cs typeface="Times" charset="0"/>
               </a:rPr>
-              <a:t>, ANN Oksana AND </a:t>
-            </a:r>
-            <a:r>
-              <a:rPr lang="en-US" sz="4000" b="1" dirty="0" err="1" smtClean="0">
-                <a:latin typeface="Times" charset="0"/>
-                <a:ea typeface="Times" charset="0"/>
-                <a:cs typeface="Times" charset="0"/>
-              </a:rPr>
-              <a:t>dIVAN</a:t>
-            </a:r>
-            <a:r>
-              <a:rPr lang="en-US" sz="4000" b="1" dirty="0" smtClean="0">
-                <a:latin typeface="Times" charset="0"/>
-                <a:ea typeface="Times" charset="0"/>
-                <a:cs typeface="Times" charset="0"/>
-              </a:rPr>
-              <a:t> </a:t>
-            </a:r>
-            <a:endParaRPr lang="en-US" sz="4000" b="1" dirty="0">
-              <a:latin typeface="Times" charset="0"/>
-              <a:ea typeface="Times" charset="0"/>
-              <a:cs typeface="Times" charset="0"/>
-            </a:endParaRPr>
+              <a:t>, ANN Oksana AND Devin </a:t>
+            </a:r>
           </a:p>
         </p:txBody>
       </p:sp>
@@ -5912,13 +5878,6 @@
   <p:clrMapOvr>
     <a:masterClrMapping/>
   </p:clrMapOvr>
-  <p:timing>
-    <p:tnLst>
-      <p:par>
-        <p:cTn id="1" dur="indefinite" restart="never" nodeType="tmRoot"/>
-      </p:par>
-    </p:tnLst>
-  </p:timing>
 </p:sld>
 </file>
 
@@ -5955,22 +5914,9 @@
           <a:lstStyle/>
           <a:p>
             <a:r>
-              <a:rPr lang="en-US" dirty="0" smtClean="0"/>
-              <a:t>	</a:t>
-            </a:r>
-            <a:r>
-              <a:rPr lang="en-US" dirty="0" smtClean="0">
-                <a:solidFill>
-                  <a:schemeClr val="bg1"/>
-                </a:solidFill>
-              </a:rPr>
-              <a:t>Our goals:</a:t>
-            </a:r>
-            <a:endParaRPr lang="en-US" dirty="0">
-              <a:solidFill>
-                <a:schemeClr val="bg1"/>
-              </a:solidFill>
-            </a:endParaRPr>
+              <a:rPr lang="en-US" dirty="0"/>
+              <a:t>	Our goals:</a:t>
+            </a:r>
           </a:p>
         </p:txBody>
       </p:sp>
@@ -5997,40 +5943,29 @@
           <a:lstStyle/>
           <a:p>
             <a:r>
-              <a:rPr lang="en-US" sz="3200" dirty="0" smtClean="0"/>
+              <a:rPr lang="en-US" sz="2800" dirty="0"/>
               <a:t>To help a non-profit develop a tool to speed up the registration process for a after school educational tutoring center.</a:t>
             </a:r>
           </a:p>
           <a:p>
-            <a:endParaRPr lang="en-US" sz="3200" dirty="0" smtClean="0"/>
-          </a:p>
-          <a:p>
-            <a:r>
-              <a:rPr lang="en-US" sz="3200" dirty="0"/>
-              <a:t>B</a:t>
-            </a:r>
-            <a:r>
-              <a:rPr lang="en-US" sz="3200" dirty="0" smtClean="0"/>
-              <a:t>ridge the gap between kids who are first generation American to fit in the American society and American school system.</a:t>
-            </a:r>
-          </a:p>
-          <a:p>
-            <a:endParaRPr lang="en-US" sz="3200" dirty="0" smtClean="0"/>
-          </a:p>
-          <a:p>
-            <a:r>
-              <a:rPr lang="en-US" sz="3200" dirty="0" smtClean="0"/>
+            <a:r>
+              <a:rPr lang="en-US" sz="2800" dirty="0"/>
+              <a:t>Bridge the gap between kids who are first generation American to fit in the American society and American school system.</a:t>
+            </a:r>
+          </a:p>
+          <a:p>
+            <a:r>
+              <a:rPr lang="en-US" sz="2800" dirty="0"/>
               <a:t>Help </a:t>
             </a:r>
             <a:r>
-              <a:rPr lang="en-US" sz="3200" dirty="0" err="1" smtClean="0"/>
+              <a:rPr lang="en-US" sz="2800" dirty="0" err="1"/>
               <a:t>non-english</a:t>
             </a:r>
             <a:r>
-              <a:rPr lang="en-US" sz="3200" dirty="0" smtClean="0"/>
+              <a:rPr lang="en-US" sz="2800" dirty="0"/>
               <a:t> speaking parents to understand the non-profit’s goal and model</a:t>
             </a:r>
-            <a:endParaRPr lang="en-US" sz="3200" dirty="0"/>
           </a:p>
         </p:txBody>
       </p:sp>
@@ -6044,13 +5979,6 @@
   <p:clrMapOvr>
     <a:masterClrMapping/>
   </p:clrMapOvr>
-  <p:timing>
-    <p:tnLst>
-      <p:par>
-        <p:cTn id="1" dur="indefinite" restart="never" nodeType="tmRoot"/>
-      </p:par>
-    </p:tnLst>
-  </p:timing>
 </p:sld>
 </file>
 
@@ -6073,7 +6001,13 @@
       </p:grpSpPr>
       <p:sp>
         <p:nvSpPr>
-          <p:cNvPr id="2" name="Title 1"/>
+          <p:cNvPr id="2" name="Title 1">
+            <a:extLst>
+              <a:ext uri="{FF2B5EF4-FFF2-40B4-BE49-F238E27FC236}">
+                <a16:creationId xmlns:a16="http://schemas.microsoft.com/office/drawing/2014/main" id="{71A6308D-0375-C44F-A263-C2E81926FE32}"/>
+              </a:ext>
+            </a:extLst>
+          </p:cNvPr>
           <p:cNvSpPr>
             <a:spLocks noGrp="1"/>
           </p:cNvSpPr>
@@ -6081,12 +6015,35 @@
             <p:ph type="title"/>
           </p:nvPr>
         </p:nvSpPr>
-        <p:spPr>
-          <a:xfrm>
-            <a:off x="685799" y="214861"/>
-            <a:ext cx="10131427" cy="1468800"/>
-          </a:xfrm>
-        </p:spPr>
+        <p:spPr/>
+        <p:txBody>
+          <a:bodyPr/>
+          <a:lstStyle/>
+          <a:p>
+            <a:r>
+              <a:rPr lang="en-US" dirty="0"/>
+              <a:t>Design</a:t>
+            </a:r>
+          </a:p>
+        </p:txBody>
+      </p:sp>
+      <p:sp>
+        <p:nvSpPr>
+          <p:cNvPr id="3" name="Content Placeholder 2">
+            <a:extLst>
+              <a:ext uri="{FF2B5EF4-FFF2-40B4-BE49-F238E27FC236}">
+                <a16:creationId xmlns:a16="http://schemas.microsoft.com/office/drawing/2014/main" id="{071A9A2A-B6C2-1A4E-BE4C-87E63AE2119D}"/>
+              </a:ext>
+            </a:extLst>
+          </p:cNvPr>
+          <p:cNvSpPr>
+            <a:spLocks noGrp="1"/>
+          </p:cNvSpPr>
+          <p:nvPr>
+            <p:ph idx="1"/>
+          </p:nvPr>
+        </p:nvSpPr>
+        <p:spPr/>
         <p:txBody>
           <a:bodyPr>
             <a:normAutofit/>
@@ -6094,70 +6051,58 @@
           <a:lstStyle/>
           <a:p>
             <a:r>
-              <a:rPr lang="en-US" sz="6000" b="1" dirty="0" err="1" smtClean="0">
-                <a:solidFill>
-                  <a:schemeClr val="bg1"/>
-                </a:solidFill>
-              </a:rPr>
-              <a:t>fRONT</a:t>
-            </a:r>
-            <a:r>
-              <a:rPr lang="en-US" sz="6000" b="1" dirty="0" smtClean="0">
-                <a:solidFill>
-                  <a:schemeClr val="bg1"/>
-                </a:solidFill>
-              </a:rPr>
-              <a:t> END:</a:t>
-            </a:r>
-            <a:endParaRPr lang="en-US" sz="6000" b="1" dirty="0">
-              <a:solidFill>
-                <a:schemeClr val="bg1"/>
-              </a:solidFill>
-            </a:endParaRPr>
-          </a:p>
-        </p:txBody>
-      </p:sp>
-      <p:sp>
-        <p:nvSpPr>
-          <p:cNvPr id="3" name="Text Placeholder 2"/>
-          <p:cNvSpPr>
-            <a:spLocks noGrp="1"/>
-          </p:cNvSpPr>
-          <p:nvPr>
-            <p:ph type="body" idx="1"/>
-          </p:nvPr>
-        </p:nvSpPr>
-        <p:spPr>
-          <a:xfrm>
-            <a:off x="685799" y="2186581"/>
-            <a:ext cx="10131428" cy="860400"/>
-          </a:xfrm>
-        </p:spPr>
-        <p:txBody>
-          <a:bodyPr/>
-          <a:lstStyle/>
-          <a:p>
-            <a:endParaRPr lang="en-US"/>
+              <a:rPr lang="en-US" sz="2800" dirty="0"/>
+              <a:t>Creation of Client Management Software</a:t>
+            </a:r>
+          </a:p>
+          <a:p>
+            <a:pPr lvl="1"/>
+            <a:r>
+              <a:rPr lang="en-US" sz="2400" dirty="0"/>
+              <a:t>Organize Data Based on student enrollment</a:t>
+            </a:r>
+          </a:p>
+          <a:p>
+            <a:r>
+              <a:rPr lang="en-US" sz="2800" dirty="0"/>
+              <a:t>Use of phpMyAdmin + </a:t>
+            </a:r>
+            <a:r>
+              <a:rPr lang="en-US" sz="2800" dirty="0" err="1"/>
+              <a:t>mySQL</a:t>
+            </a:r>
+            <a:r>
+              <a:rPr lang="en-US" sz="2800" dirty="0"/>
+              <a:t> to create a structured backend</a:t>
+            </a:r>
+          </a:p>
+          <a:p>
+            <a:r>
+              <a:rPr lang="en-US" sz="2800" dirty="0"/>
+              <a:t>Use of tool ____________ to translate sites into *these languages*</a:t>
+            </a:r>
+          </a:p>
+          <a:p>
+            <a:r>
+              <a:rPr lang="en-US" sz="2800" dirty="0"/>
+              <a:t>Displays with __________ (html + bootstrap?)</a:t>
+            </a:r>
+          </a:p>
+          <a:p>
+            <a:endParaRPr lang="en-US" sz="2800" dirty="0"/>
           </a:p>
         </p:txBody>
       </p:sp>
     </p:spTree>
     <p:extLst>
       <p:ext uri="{BB962C8B-B14F-4D97-AF65-F5344CB8AC3E}">
-        <p14:creationId xmlns:p14="http://schemas.microsoft.com/office/powerpoint/2010/main" val="1034675612"/>
+        <p14:creationId xmlns:p14="http://schemas.microsoft.com/office/powerpoint/2010/main" val="929106950"/>
       </p:ext>
     </p:extLst>
   </p:cSld>
   <p:clrMapOvr>
     <a:masterClrMapping/>
   </p:clrMapOvr>
-  <p:timing>
-    <p:tnLst>
-      <p:par>
-        <p:cTn id="1" dur="indefinite" restart="never" nodeType="tmRoot"/>
-      </p:par>
-    </p:tnLst>
-  </p:timing>
 </p:sld>
 </file>
 
@@ -6180,12 +6125,18 @@
       </p:grpSpPr>
       <p:sp>
         <p:nvSpPr>
-          <p:cNvPr id="3" name="Text Placeholder 2"/>
-          <p:cNvSpPr>
-            <a:spLocks noGrp="1"/>
-          </p:cNvSpPr>
-          <p:nvPr>
-            <p:ph type="body" idx="1"/>
+          <p:cNvPr id="2" name="Title 1">
+            <a:extLst>
+              <a:ext uri="{FF2B5EF4-FFF2-40B4-BE49-F238E27FC236}">
+                <a16:creationId xmlns:a16="http://schemas.microsoft.com/office/drawing/2014/main" id="{36C3B4C4-A81D-5940-87BC-3E91D7AE5ADA}"/>
+              </a:ext>
+            </a:extLst>
+          </p:cNvPr>
+          <p:cNvSpPr>
+            <a:spLocks noGrp="1"/>
+          </p:cNvSpPr>
+          <p:nvPr>
+            <p:ph type="title"/>
           </p:nvPr>
         </p:nvSpPr>
         <p:spPr/>
@@ -6193,150 +6144,57 @@
           <a:bodyPr/>
           <a:lstStyle/>
           <a:p>
-            <a:endParaRPr lang="en-US"/>
-          </a:p>
-        </p:txBody>
-      </p:sp>
-      <p:sp>
-        <p:nvSpPr>
-          <p:cNvPr id="4" name="Title 1"/>
-          <p:cNvSpPr txBox="1">
-            <a:spLocks/>
-          </p:cNvSpPr>
-          <p:nvPr/>
-        </p:nvSpPr>
-        <p:spPr>
-          <a:xfrm>
-            <a:off x="685799" y="214861"/>
-            <a:ext cx="10131427" cy="1468800"/>
-          </a:xfrm>
-          <a:prstGeom prst="rect">
-            <a:avLst/>
-          </a:prstGeom>
-          <a:effectLst/>
-        </p:spPr>
-        <p:txBody>
-          <a:bodyPr vert="horz" lIns="91440" tIns="45720" rIns="91440" bIns="45720" rtlCol="0" anchor="b">
-            <a:normAutofit/>
-          </a:bodyPr>
-          <a:lstStyle>
-            <a:lvl1pPr algn="l" defTabSz="457200" rtl="0" eaLnBrk="1" latinLnBrk="0" hangingPunct="1">
-              <a:spcBef>
-                <a:spcPct val="0"/>
-              </a:spcBef>
-              <a:buNone/>
-              <a:defRPr sz="4000" b="0" kern="1200" cap="all">
-                <a:ln w="3175" cmpd="sng">
-                  <a:noFill/>
-                </a:ln>
-                <a:solidFill>
-                  <a:schemeClr val="tx1"/>
-                </a:solidFill>
-                <a:effectLst/>
-                <a:latin typeface="+mj-lt"/>
-                <a:ea typeface="+mj-ea"/>
-                <a:cs typeface="+mj-cs"/>
-              </a:defRPr>
-            </a:lvl1pPr>
-            <a:lvl2pPr eaLnBrk="1" hangingPunct="1">
-              <a:defRPr>
-                <a:solidFill>
-                  <a:schemeClr val="tx2"/>
-                </a:solidFill>
-              </a:defRPr>
-            </a:lvl2pPr>
-            <a:lvl3pPr eaLnBrk="1" hangingPunct="1">
-              <a:defRPr>
-                <a:solidFill>
-                  <a:schemeClr val="tx2"/>
-                </a:solidFill>
-              </a:defRPr>
-            </a:lvl3pPr>
-            <a:lvl4pPr eaLnBrk="1" hangingPunct="1">
-              <a:defRPr>
-                <a:solidFill>
-                  <a:schemeClr val="tx2"/>
-                </a:solidFill>
-              </a:defRPr>
-            </a:lvl4pPr>
-            <a:lvl5pPr eaLnBrk="1" hangingPunct="1">
-              <a:defRPr>
-                <a:solidFill>
-                  <a:schemeClr val="tx2"/>
-                </a:solidFill>
-              </a:defRPr>
-            </a:lvl5pPr>
-            <a:lvl6pPr eaLnBrk="1" hangingPunct="1">
-              <a:defRPr>
-                <a:solidFill>
-                  <a:schemeClr val="tx2"/>
-                </a:solidFill>
-              </a:defRPr>
-            </a:lvl6pPr>
-            <a:lvl7pPr eaLnBrk="1" hangingPunct="1">
-              <a:defRPr>
-                <a:solidFill>
-                  <a:schemeClr val="tx2"/>
-                </a:solidFill>
-              </a:defRPr>
-            </a:lvl7pPr>
-            <a:lvl8pPr eaLnBrk="1" hangingPunct="1">
-              <a:defRPr>
-                <a:solidFill>
-                  <a:schemeClr val="tx2"/>
-                </a:solidFill>
-              </a:defRPr>
-            </a:lvl8pPr>
-            <a:lvl9pPr eaLnBrk="1" hangingPunct="1">
-              <a:defRPr>
-                <a:solidFill>
-                  <a:schemeClr val="tx2"/>
-                </a:solidFill>
-              </a:defRPr>
-            </a:lvl9pPr>
-          </a:lstStyle>
-          <a:p>
-            <a:r>
-              <a:rPr lang="en-US" sz="6000" b="1" dirty="0" err="1" smtClean="0">
-                <a:solidFill>
-                  <a:schemeClr val="bg1"/>
-                </a:solidFill>
-              </a:rPr>
-              <a:t>bACK</a:t>
-            </a:r>
-            <a:r>
-              <a:rPr lang="en-US" sz="6000" b="1" dirty="0" smtClean="0">
-                <a:solidFill>
-                  <a:schemeClr val="bg1"/>
-                </a:solidFill>
-              </a:rPr>
-              <a:t> END:</a:t>
-            </a:r>
-            <a:endParaRPr lang="en-US" sz="6000" b="1" dirty="0">
-              <a:solidFill>
-                <a:schemeClr val="bg1"/>
-              </a:solidFill>
-            </a:endParaRPr>
+            <a:r>
+              <a:rPr lang="en-US" dirty="0"/>
+              <a:t>FRONT END</a:t>
+            </a:r>
+          </a:p>
+        </p:txBody>
+      </p:sp>
+      <p:sp>
+        <p:nvSpPr>
+          <p:cNvPr id="3" name="Content Placeholder 2">
+            <a:extLst>
+              <a:ext uri="{FF2B5EF4-FFF2-40B4-BE49-F238E27FC236}">
+                <a16:creationId xmlns:a16="http://schemas.microsoft.com/office/drawing/2014/main" id="{794ACE37-0BBA-E04C-AFEA-0743D6CE09F3}"/>
+              </a:ext>
+            </a:extLst>
+          </p:cNvPr>
+          <p:cNvSpPr>
+            <a:spLocks noGrp="1"/>
+          </p:cNvSpPr>
+          <p:nvPr>
+            <p:ph idx="1"/>
+          </p:nvPr>
+        </p:nvSpPr>
+        <p:spPr/>
+        <p:txBody>
+          <a:bodyPr/>
+          <a:lstStyle/>
+          <a:p>
+            <a:r>
+              <a:rPr lang="en-US" dirty="0"/>
+              <a:t>OUTPUT screenshots on here from perspectives of parent/student user accounts</a:t>
+            </a:r>
+          </a:p>
+          <a:p>
+            <a:r>
+              <a:rPr lang="en-US" dirty="0"/>
+              <a:t>Additionally have screenshots of admin accounts as well</a:t>
+            </a:r>
           </a:p>
         </p:txBody>
       </p:sp>
     </p:spTree>
     <p:extLst>
       <p:ext uri="{BB962C8B-B14F-4D97-AF65-F5344CB8AC3E}">
-        <p14:creationId xmlns:p14="http://schemas.microsoft.com/office/powerpoint/2010/main" val="1617921125"/>
+        <p14:creationId xmlns:p14="http://schemas.microsoft.com/office/powerpoint/2010/main" val="3344260299"/>
       </p:ext>
     </p:extLst>
   </p:cSld>
   <p:clrMapOvr>
     <a:masterClrMapping/>
   </p:clrMapOvr>
-  <p:timing>
-    <p:tnLst>
-      <p:par>
-        <p:cTn id="1" dur="indefinite" restart="never" nodeType="tmRoot"/>
-      </p:par>
-    </p:tnLst>
-  </p:timing>
 </p:sld>
 </file>
 
@@ -6359,7 +6217,13 @@
       </p:grpSpPr>
       <p:sp>
         <p:nvSpPr>
-          <p:cNvPr id="2" name="Title 1"/>
+          <p:cNvPr id="2" name="Title 1">
+            <a:extLst>
+              <a:ext uri="{FF2B5EF4-FFF2-40B4-BE49-F238E27FC236}">
+                <a16:creationId xmlns:a16="http://schemas.microsoft.com/office/drawing/2014/main" id="{C3E2B1A5-0C4E-8148-B797-5DDEC25CE6AC}"/>
+              </a:ext>
+            </a:extLst>
+          </p:cNvPr>
           <p:cNvSpPr>
             <a:spLocks noGrp="1"/>
           </p:cNvSpPr>
@@ -6367,218 +6231,90 @@
             <p:ph type="title"/>
           </p:nvPr>
         </p:nvSpPr>
-        <p:spPr>
-          <a:xfrm>
-            <a:off x="685800" y="458701"/>
-            <a:ext cx="10131427" cy="1468800"/>
-          </a:xfrm>
-        </p:spPr>
+        <p:spPr/>
         <p:txBody>
           <a:bodyPr/>
           <a:lstStyle/>
           <a:p>
             <a:r>
-              <a:rPr lang="en-US" dirty="0" smtClean="0">
-                <a:solidFill>
-                  <a:schemeClr val="bg1"/>
-                </a:solidFill>
-              </a:rPr>
-              <a:t>Application</a:t>
-            </a:r>
-            <a:endParaRPr lang="en-US" dirty="0">
-              <a:solidFill>
-                <a:schemeClr val="bg1"/>
-              </a:solidFill>
-            </a:endParaRPr>
-          </a:p>
-        </p:txBody>
-      </p:sp>
-      <p:sp>
-        <p:nvSpPr>
-          <p:cNvPr id="3" name="Text Placeholder 2"/>
-          <p:cNvSpPr>
-            <a:spLocks noGrp="1"/>
-          </p:cNvSpPr>
-          <p:nvPr>
-            <p:ph type="body" idx="1"/>
+              <a:rPr lang="en-US" b="1" dirty="0"/>
+              <a:t>Further Implementation:</a:t>
+            </a:r>
+            <a:endParaRPr lang="en-US" dirty="0"/>
+          </a:p>
+        </p:txBody>
+      </p:sp>
+      <p:sp>
+        <p:nvSpPr>
+          <p:cNvPr id="3" name="Content Placeholder 2">
+            <a:extLst>
+              <a:ext uri="{FF2B5EF4-FFF2-40B4-BE49-F238E27FC236}">
+                <a16:creationId xmlns:a16="http://schemas.microsoft.com/office/drawing/2014/main" id="{901B4AB5-09CC-F544-9EC9-8A92FAECA817}"/>
+              </a:ext>
+            </a:extLst>
+          </p:cNvPr>
+          <p:cNvSpPr>
+            <a:spLocks noGrp="1"/>
+          </p:cNvSpPr>
+          <p:nvPr>
+            <p:ph idx="1"/>
           </p:nvPr>
         </p:nvSpPr>
         <p:spPr/>
         <p:txBody>
-          <a:bodyPr/>
-          <a:lstStyle/>
-          <a:p>
-            <a:endParaRPr lang="en-US"/>
+          <a:bodyPr>
+            <a:normAutofit/>
+          </a:bodyPr>
+          <a:lstStyle/>
+          <a:p>
+            <a:r>
+              <a:rPr lang="en-US" sz="2800" dirty="0"/>
+              <a:t>Use OCR (Optical Character Recognition) to digitalize previous records</a:t>
+            </a:r>
+          </a:p>
+          <a:p>
+            <a:r>
+              <a:rPr lang="en-US" sz="2800" dirty="0"/>
+              <a:t>Online Student Learning System</a:t>
+            </a:r>
+          </a:p>
+          <a:p>
+            <a:pPr lvl="1"/>
+            <a:r>
+              <a:rPr lang="en-US" sz="2400" dirty="0"/>
+              <a:t>Students learn from other students based on how well other students understand content</a:t>
+            </a:r>
+          </a:p>
+          <a:p>
+            <a:pPr lvl="1"/>
+            <a:r>
+              <a:rPr lang="en-US" sz="2400" dirty="0"/>
+              <a:t>Leveling up System to Reward Students</a:t>
+            </a:r>
+          </a:p>
+          <a:p>
+            <a:pPr lvl="1"/>
+            <a:endParaRPr lang="en-US" sz="2800" dirty="0"/>
+          </a:p>
+          <a:p>
+            <a:pPr lvl="1"/>
+            <a:endParaRPr lang="en-US" sz="2800" dirty="0"/>
+          </a:p>
+          <a:p>
+            <a:endParaRPr lang="en-US" sz="2800" dirty="0"/>
           </a:p>
         </p:txBody>
       </p:sp>
     </p:spTree>
     <p:extLst>
       <p:ext uri="{BB962C8B-B14F-4D97-AF65-F5344CB8AC3E}">
-        <p14:creationId xmlns:p14="http://schemas.microsoft.com/office/powerpoint/2010/main" val="962409561"/>
+        <p14:creationId xmlns:p14="http://schemas.microsoft.com/office/powerpoint/2010/main" val="4194589399"/>
       </p:ext>
     </p:extLst>
   </p:cSld>
   <p:clrMapOvr>
     <a:masterClrMapping/>
   </p:clrMapOvr>
-  <p:timing>
-    <p:tnLst>
-      <p:par>
-        <p:cTn id="1" dur="indefinite" restart="never" nodeType="tmRoot"/>
-      </p:par>
-    </p:tnLst>
-  </p:timing>
-</p:sld>
-</file>
-
-<file path=ppt/slides/slide6.xml><?xml version="1.0" encoding="utf-8"?>
-<p:sld xmlns:a="http://schemas.openxmlformats.org/drawingml/2006/main" xmlns:r="http://schemas.openxmlformats.org/officeDocument/2006/relationships" xmlns:p="http://schemas.openxmlformats.org/presentationml/2006/main">
-  <p:cSld>
-    <p:spTree>
-      <p:nvGrpSpPr>
-        <p:cNvPr id="1" name=""/>
-        <p:cNvGrpSpPr/>
-        <p:nvPr/>
-      </p:nvGrpSpPr>
-      <p:grpSpPr>
-        <a:xfrm>
-          <a:off x="0" y="0"/>
-          <a:ext cx="0" cy="0"/>
-          <a:chOff x="0" y="0"/>
-          <a:chExt cx="0" cy="0"/>
-        </a:xfrm>
-      </p:grpSpPr>
-      <p:sp>
-        <p:nvSpPr>
-          <p:cNvPr id="2" name="Title 1"/>
-          <p:cNvSpPr>
-            <a:spLocks noGrp="1"/>
-          </p:cNvSpPr>
-          <p:nvPr>
-            <p:ph type="title"/>
-          </p:nvPr>
-        </p:nvSpPr>
-        <p:spPr/>
-        <p:txBody>
-          <a:bodyPr/>
-          <a:lstStyle/>
-          <a:p>
-            <a:endParaRPr lang="en-US"/>
-          </a:p>
-        </p:txBody>
-      </p:sp>
-      <p:sp>
-        <p:nvSpPr>
-          <p:cNvPr id="3" name="Text Placeholder 2"/>
-          <p:cNvSpPr>
-            <a:spLocks noGrp="1"/>
-          </p:cNvSpPr>
-          <p:nvPr>
-            <p:ph type="body" idx="1"/>
-          </p:nvPr>
-        </p:nvSpPr>
-        <p:spPr/>
-        <p:txBody>
-          <a:bodyPr/>
-          <a:lstStyle/>
-          <a:p>
-            <a:endParaRPr lang="en-US"/>
-          </a:p>
-        </p:txBody>
-      </p:sp>
-    </p:spTree>
-    <p:extLst>
-      <p:ext uri="{BB962C8B-B14F-4D97-AF65-F5344CB8AC3E}">
-        <p14:creationId xmlns:p14="http://schemas.microsoft.com/office/powerpoint/2010/main" val="370662523"/>
-      </p:ext>
-    </p:extLst>
-  </p:cSld>
-  <p:clrMapOvr>
-    <a:masterClrMapping/>
-  </p:clrMapOvr>
-  <p:timing>
-    <p:tnLst>
-      <p:par>
-        <p:cTn id="1" dur="indefinite" restart="never" nodeType="tmRoot"/>
-      </p:par>
-    </p:tnLst>
-  </p:timing>
-</p:sld>
-</file>
-
-<file path=ppt/slides/slide7.xml><?xml version="1.0" encoding="utf-8"?>
-<p:sld xmlns:a="http://schemas.openxmlformats.org/drawingml/2006/main" xmlns:r="http://schemas.openxmlformats.org/officeDocument/2006/relationships" xmlns:p="http://schemas.openxmlformats.org/presentationml/2006/main">
-  <p:cSld>
-    <p:spTree>
-      <p:nvGrpSpPr>
-        <p:cNvPr id="1" name=""/>
-        <p:cNvGrpSpPr/>
-        <p:nvPr/>
-      </p:nvGrpSpPr>
-      <p:grpSpPr>
-        <a:xfrm>
-          <a:off x="0" y="0"/>
-          <a:ext cx="0" cy="0"/>
-          <a:chOff x="0" y="0"/>
-          <a:chExt cx="0" cy="0"/>
-        </a:xfrm>
-      </p:grpSpPr>
-      <p:sp>
-        <p:nvSpPr>
-          <p:cNvPr id="2" name="Title 1"/>
-          <p:cNvSpPr>
-            <a:spLocks noGrp="1"/>
-          </p:cNvSpPr>
-          <p:nvPr>
-            <p:ph type="title"/>
-          </p:nvPr>
-        </p:nvSpPr>
-        <p:spPr/>
-        <p:txBody>
-          <a:bodyPr/>
-          <a:lstStyle/>
-          <a:p>
-            <a:endParaRPr lang="en-US"/>
-          </a:p>
-        </p:txBody>
-      </p:sp>
-      <p:sp>
-        <p:nvSpPr>
-          <p:cNvPr id="3" name="Text Placeholder 2"/>
-          <p:cNvSpPr>
-            <a:spLocks noGrp="1"/>
-          </p:cNvSpPr>
-          <p:nvPr>
-            <p:ph type="body" idx="1"/>
-          </p:nvPr>
-        </p:nvSpPr>
-        <p:spPr/>
-        <p:txBody>
-          <a:bodyPr/>
-          <a:lstStyle/>
-          <a:p>
-            <a:endParaRPr lang="en-US"/>
-          </a:p>
-        </p:txBody>
-      </p:sp>
-    </p:spTree>
-    <p:extLst>
-      <p:ext uri="{BB962C8B-B14F-4D97-AF65-F5344CB8AC3E}">
-        <p14:creationId xmlns:p14="http://schemas.microsoft.com/office/powerpoint/2010/main" val="2022447761"/>
-      </p:ext>
-    </p:extLst>
-  </p:cSld>
-  <p:clrMapOvr>
-    <a:masterClrMapping/>
-  </p:clrMapOvr>
-  <p:timing>
-    <p:tnLst>
-      <p:par>
-        <p:cTn id="1" dur="indefinite" restart="never" nodeType="tmRoot"/>
-      </p:par>
-    </p:tnLst>
-  </p:timing>
 </p:sld>
 </file>
 
